--- a/Reports/Report_16Dec2024.pptx
+++ b/Reports/Report_16Dec2024.pptx
@@ -4,10 +4,14 @@
   <p:sldMasterIdLst>
     <p:sldMasterId id="2147483648" r:id="rId1"/>
   </p:sldMasterIdLst>
+  <p:notesMasterIdLst>
+    <p:notesMasterId r:id="rId6"/>
+  </p:notesMasterIdLst>
   <p:sldIdLst>
     <p:sldId id="264" r:id="rId2"/>
     <p:sldId id="271" r:id="rId3"/>
     <p:sldId id="272" r:id="rId4"/>
+    <p:sldId id="274" r:id="rId5"/>
   </p:sldIdLst>
   <p:sldSz cx="12192000" cy="6858000"/>
   <p:notesSz cx="6858000" cy="9144000"/>
@@ -112,6 +116,547 @@
     </p:ext>
   </p:extLst>
 </p:presentation>
+</file>
+
+<file path=ppt/notesMasters/notesMaster1.xml><?xml version="1.0" encoding="utf-8"?>
+<p:notesMaster xmlns:a="http://schemas.openxmlformats.org/drawingml/2006/main" xmlns:r="http://schemas.openxmlformats.org/officeDocument/2006/relationships" xmlns:p="http://schemas.openxmlformats.org/presentationml/2006/main">
+  <p:cSld>
+    <p:bg>
+      <p:bgRef idx="1001">
+        <a:schemeClr val="bg1"/>
+      </p:bgRef>
+    </p:bg>
+    <p:spTree>
+      <p:nvGrpSpPr>
+        <p:cNvPr id="1" name=""/>
+        <p:cNvGrpSpPr/>
+        <p:nvPr/>
+      </p:nvGrpSpPr>
+      <p:grpSpPr>
+        <a:xfrm>
+          <a:off x="0" y="0"/>
+          <a:ext cx="0" cy="0"/>
+          <a:chOff x="0" y="0"/>
+          <a:chExt cx="0" cy="0"/>
+        </a:xfrm>
+      </p:grpSpPr>
+      <p:sp>
+        <p:nvSpPr>
+          <p:cNvPr id="2" name="Header Placeholder 1"/>
+          <p:cNvSpPr>
+            <a:spLocks noGrp="1"/>
+          </p:cNvSpPr>
+          <p:nvPr>
+            <p:ph type="hdr" sz="quarter"/>
+          </p:nvPr>
+        </p:nvSpPr>
+        <p:spPr>
+          <a:xfrm>
+            <a:off x="0" y="0"/>
+            <a:ext cx="2971800" cy="458788"/>
+          </a:xfrm>
+          <a:prstGeom prst="rect">
+            <a:avLst/>
+          </a:prstGeom>
+        </p:spPr>
+        <p:txBody>
+          <a:bodyPr vert="horz" lIns="91440" tIns="45720" rIns="91440" bIns="45720" rtlCol="0"/>
+          <a:lstStyle>
+            <a:lvl1pPr algn="l">
+              <a:defRPr sz="1200"/>
+            </a:lvl1pPr>
+          </a:lstStyle>
+          <a:p>
+            <a:endParaRPr lang="en-US"/>
+          </a:p>
+        </p:txBody>
+      </p:sp>
+      <p:sp>
+        <p:nvSpPr>
+          <p:cNvPr id="3" name="Date Placeholder 2"/>
+          <p:cNvSpPr>
+            <a:spLocks noGrp="1"/>
+          </p:cNvSpPr>
+          <p:nvPr>
+            <p:ph type="dt" idx="1"/>
+          </p:nvPr>
+        </p:nvSpPr>
+        <p:spPr>
+          <a:xfrm>
+            <a:off x="3884613" y="0"/>
+            <a:ext cx="2971800" cy="458788"/>
+          </a:xfrm>
+          <a:prstGeom prst="rect">
+            <a:avLst/>
+          </a:prstGeom>
+        </p:spPr>
+        <p:txBody>
+          <a:bodyPr vert="horz" lIns="91440" tIns="45720" rIns="91440" bIns="45720" rtlCol="0"/>
+          <a:lstStyle>
+            <a:lvl1pPr algn="r">
+              <a:defRPr sz="1200"/>
+            </a:lvl1pPr>
+          </a:lstStyle>
+          <a:p>
+            <a:fld id="{5A1A6CB1-B1D2-4FE0-AC95-0419AB95BD19}" type="datetimeFigureOut">
+              <a:rPr lang="en-US" smtClean="0"/>
+              <a:t>12/16/2024</a:t>
+            </a:fld>
+            <a:endParaRPr lang="en-US"/>
+          </a:p>
+        </p:txBody>
+      </p:sp>
+      <p:sp>
+        <p:nvSpPr>
+          <p:cNvPr id="4" name="Slide Image Placeholder 3"/>
+          <p:cNvSpPr>
+            <a:spLocks noGrp="1" noRot="1" noChangeAspect="1"/>
+          </p:cNvSpPr>
+          <p:nvPr>
+            <p:ph type="sldImg" idx="2"/>
+          </p:nvPr>
+        </p:nvSpPr>
+        <p:spPr>
+          <a:xfrm>
+            <a:off x="685800" y="1143000"/>
+            <a:ext cx="5486400" cy="3086100"/>
+          </a:xfrm>
+          <a:prstGeom prst="rect">
+            <a:avLst/>
+          </a:prstGeom>
+          <a:noFill/>
+          <a:ln w="12700">
+            <a:solidFill>
+              <a:prstClr val="black"/>
+            </a:solidFill>
+          </a:ln>
+        </p:spPr>
+        <p:txBody>
+          <a:bodyPr vert="horz" lIns="91440" tIns="45720" rIns="91440" bIns="45720" rtlCol="0" anchor="ctr"/>
+          <a:lstStyle/>
+          <a:p>
+            <a:endParaRPr lang="en-US"/>
+          </a:p>
+        </p:txBody>
+      </p:sp>
+      <p:sp>
+        <p:nvSpPr>
+          <p:cNvPr id="5" name="Notes Placeholder 4"/>
+          <p:cNvSpPr>
+            <a:spLocks noGrp="1"/>
+          </p:cNvSpPr>
+          <p:nvPr>
+            <p:ph type="body" sz="quarter" idx="3"/>
+          </p:nvPr>
+        </p:nvSpPr>
+        <p:spPr>
+          <a:xfrm>
+            <a:off x="685800" y="4400550"/>
+            <a:ext cx="5486400" cy="3600450"/>
+          </a:xfrm>
+          <a:prstGeom prst="rect">
+            <a:avLst/>
+          </a:prstGeom>
+        </p:spPr>
+        <p:txBody>
+          <a:bodyPr vert="horz" lIns="91440" tIns="45720" rIns="91440" bIns="45720" rtlCol="0"/>
+          <a:lstStyle/>
+          <a:p>
+            <a:pPr lvl="0"/>
+            <a:r>
+              <a:rPr lang="en-US"/>
+              <a:t>Click to edit Master text styles</a:t>
+            </a:r>
+          </a:p>
+          <a:p>
+            <a:pPr lvl="1"/>
+            <a:r>
+              <a:rPr lang="en-US"/>
+              <a:t>Second level</a:t>
+            </a:r>
+          </a:p>
+          <a:p>
+            <a:pPr lvl="2"/>
+            <a:r>
+              <a:rPr lang="en-US"/>
+              <a:t>Third level</a:t>
+            </a:r>
+          </a:p>
+          <a:p>
+            <a:pPr lvl="3"/>
+            <a:r>
+              <a:rPr lang="en-US"/>
+              <a:t>Fourth level</a:t>
+            </a:r>
+          </a:p>
+          <a:p>
+            <a:pPr lvl="4"/>
+            <a:r>
+              <a:rPr lang="en-US"/>
+              <a:t>Fifth level</a:t>
+            </a:r>
+          </a:p>
+        </p:txBody>
+      </p:sp>
+      <p:sp>
+        <p:nvSpPr>
+          <p:cNvPr id="6" name="Footer Placeholder 5"/>
+          <p:cNvSpPr>
+            <a:spLocks noGrp="1"/>
+          </p:cNvSpPr>
+          <p:nvPr>
+            <p:ph type="ftr" sz="quarter" idx="4"/>
+          </p:nvPr>
+        </p:nvSpPr>
+        <p:spPr>
+          <a:xfrm>
+            <a:off x="0" y="8685213"/>
+            <a:ext cx="2971800" cy="458787"/>
+          </a:xfrm>
+          <a:prstGeom prst="rect">
+            <a:avLst/>
+          </a:prstGeom>
+        </p:spPr>
+        <p:txBody>
+          <a:bodyPr vert="horz" lIns="91440" tIns="45720" rIns="91440" bIns="45720" rtlCol="0" anchor="b"/>
+          <a:lstStyle>
+            <a:lvl1pPr algn="l">
+              <a:defRPr sz="1200"/>
+            </a:lvl1pPr>
+          </a:lstStyle>
+          <a:p>
+            <a:endParaRPr lang="en-US"/>
+          </a:p>
+        </p:txBody>
+      </p:sp>
+      <p:sp>
+        <p:nvSpPr>
+          <p:cNvPr id="7" name="Slide Number Placeholder 6"/>
+          <p:cNvSpPr>
+            <a:spLocks noGrp="1"/>
+          </p:cNvSpPr>
+          <p:nvPr>
+            <p:ph type="sldNum" sz="quarter" idx="5"/>
+          </p:nvPr>
+        </p:nvSpPr>
+        <p:spPr>
+          <a:xfrm>
+            <a:off x="3884613" y="8685213"/>
+            <a:ext cx="2971800" cy="458787"/>
+          </a:xfrm>
+          <a:prstGeom prst="rect">
+            <a:avLst/>
+          </a:prstGeom>
+        </p:spPr>
+        <p:txBody>
+          <a:bodyPr vert="horz" lIns="91440" tIns="45720" rIns="91440" bIns="45720" rtlCol="0" anchor="b"/>
+          <a:lstStyle>
+            <a:lvl1pPr algn="r">
+              <a:defRPr sz="1200"/>
+            </a:lvl1pPr>
+          </a:lstStyle>
+          <a:p>
+            <a:fld id="{DB3C632B-A74E-438F-AFCC-A71752C22436}" type="slidenum">
+              <a:rPr lang="en-US" smtClean="0"/>
+              <a:t>‹#›</a:t>
+            </a:fld>
+            <a:endParaRPr lang="en-US"/>
+          </a:p>
+        </p:txBody>
+      </p:sp>
+    </p:spTree>
+    <p:extLst>
+      <p:ext uri="{BB962C8B-B14F-4D97-AF65-F5344CB8AC3E}">
+        <p14:creationId xmlns:p14="http://schemas.microsoft.com/office/powerpoint/2010/main" val="2905152577"/>
+      </p:ext>
+    </p:extLst>
+  </p:cSld>
+  <p:clrMap bg1="lt1" tx1="dk1" bg2="lt2" tx2="dk2" accent1="accent1" accent2="accent2" accent3="accent3" accent4="accent4" accent5="accent5" accent6="accent6" hlink="hlink" folHlink="folHlink"/>
+  <p:notesStyle>
+    <a:lvl1pPr marL="0" algn="l" defTabSz="914400" rtl="0" eaLnBrk="1" latinLnBrk="0" hangingPunct="1">
+      <a:defRPr sz="1200" kern="1200">
+        <a:solidFill>
+          <a:schemeClr val="tx1"/>
+        </a:solidFill>
+        <a:latin typeface="+mn-lt"/>
+        <a:ea typeface="+mn-ea"/>
+        <a:cs typeface="+mn-cs"/>
+      </a:defRPr>
+    </a:lvl1pPr>
+    <a:lvl2pPr marL="457200" algn="l" defTabSz="914400" rtl="0" eaLnBrk="1" latinLnBrk="0" hangingPunct="1">
+      <a:defRPr sz="1200" kern="1200">
+        <a:solidFill>
+          <a:schemeClr val="tx1"/>
+        </a:solidFill>
+        <a:latin typeface="+mn-lt"/>
+        <a:ea typeface="+mn-ea"/>
+        <a:cs typeface="+mn-cs"/>
+      </a:defRPr>
+    </a:lvl2pPr>
+    <a:lvl3pPr marL="914400" algn="l" defTabSz="914400" rtl="0" eaLnBrk="1" latinLnBrk="0" hangingPunct="1">
+      <a:defRPr sz="1200" kern="1200">
+        <a:solidFill>
+          <a:schemeClr val="tx1"/>
+        </a:solidFill>
+        <a:latin typeface="+mn-lt"/>
+        <a:ea typeface="+mn-ea"/>
+        <a:cs typeface="+mn-cs"/>
+      </a:defRPr>
+    </a:lvl3pPr>
+    <a:lvl4pPr marL="1371600" algn="l" defTabSz="914400" rtl="0" eaLnBrk="1" latinLnBrk="0" hangingPunct="1">
+      <a:defRPr sz="1200" kern="1200">
+        <a:solidFill>
+          <a:schemeClr val="tx1"/>
+        </a:solidFill>
+        <a:latin typeface="+mn-lt"/>
+        <a:ea typeface="+mn-ea"/>
+        <a:cs typeface="+mn-cs"/>
+      </a:defRPr>
+    </a:lvl4pPr>
+    <a:lvl5pPr marL="1828800" algn="l" defTabSz="914400" rtl="0" eaLnBrk="1" latinLnBrk="0" hangingPunct="1">
+      <a:defRPr sz="1200" kern="1200">
+        <a:solidFill>
+          <a:schemeClr val="tx1"/>
+        </a:solidFill>
+        <a:latin typeface="+mn-lt"/>
+        <a:ea typeface="+mn-ea"/>
+        <a:cs typeface="+mn-cs"/>
+      </a:defRPr>
+    </a:lvl5pPr>
+    <a:lvl6pPr marL="2286000" algn="l" defTabSz="914400" rtl="0" eaLnBrk="1" latinLnBrk="0" hangingPunct="1">
+      <a:defRPr sz="1200" kern="1200">
+        <a:solidFill>
+          <a:schemeClr val="tx1"/>
+        </a:solidFill>
+        <a:latin typeface="+mn-lt"/>
+        <a:ea typeface="+mn-ea"/>
+        <a:cs typeface="+mn-cs"/>
+      </a:defRPr>
+    </a:lvl6pPr>
+    <a:lvl7pPr marL="2743200" algn="l" defTabSz="914400" rtl="0" eaLnBrk="1" latinLnBrk="0" hangingPunct="1">
+      <a:defRPr sz="1200" kern="1200">
+        <a:solidFill>
+          <a:schemeClr val="tx1"/>
+        </a:solidFill>
+        <a:latin typeface="+mn-lt"/>
+        <a:ea typeface="+mn-ea"/>
+        <a:cs typeface="+mn-cs"/>
+      </a:defRPr>
+    </a:lvl7pPr>
+    <a:lvl8pPr marL="3200400" algn="l" defTabSz="914400" rtl="0" eaLnBrk="1" latinLnBrk="0" hangingPunct="1">
+      <a:defRPr sz="1200" kern="1200">
+        <a:solidFill>
+          <a:schemeClr val="tx1"/>
+        </a:solidFill>
+        <a:latin typeface="+mn-lt"/>
+        <a:ea typeface="+mn-ea"/>
+        <a:cs typeface="+mn-cs"/>
+      </a:defRPr>
+    </a:lvl8pPr>
+    <a:lvl9pPr marL="3657600" algn="l" defTabSz="914400" rtl="0" eaLnBrk="1" latinLnBrk="0" hangingPunct="1">
+      <a:defRPr sz="1200" kern="1200">
+        <a:solidFill>
+          <a:schemeClr val="tx1"/>
+        </a:solidFill>
+        <a:latin typeface="+mn-lt"/>
+        <a:ea typeface="+mn-ea"/>
+        <a:cs typeface="+mn-cs"/>
+      </a:defRPr>
+    </a:lvl9pPr>
+  </p:notesStyle>
+</p:notesMaster>
+</file>
+
+<file path=ppt/notesSlides/notesSlide1.xml><?xml version="1.0" encoding="utf-8"?>
+<p:notes xmlns:a="http://schemas.openxmlformats.org/drawingml/2006/main" xmlns:r="http://schemas.openxmlformats.org/officeDocument/2006/relationships" xmlns:p="http://schemas.openxmlformats.org/presentationml/2006/main">
+  <p:cSld>
+    <p:spTree>
+      <p:nvGrpSpPr>
+        <p:cNvPr id="1" name=""/>
+        <p:cNvGrpSpPr/>
+        <p:nvPr/>
+      </p:nvGrpSpPr>
+      <p:grpSpPr>
+        <a:xfrm>
+          <a:off x="0" y="0"/>
+          <a:ext cx="0" cy="0"/>
+          <a:chOff x="0" y="0"/>
+          <a:chExt cx="0" cy="0"/>
+        </a:xfrm>
+      </p:grpSpPr>
+      <p:sp>
+        <p:nvSpPr>
+          <p:cNvPr id="2" name="Slide Image Placeholder 1"/>
+          <p:cNvSpPr>
+            <a:spLocks noGrp="1" noRot="1" noChangeAspect="1"/>
+          </p:cNvSpPr>
+          <p:nvPr>
+            <p:ph type="sldImg"/>
+          </p:nvPr>
+        </p:nvSpPr>
+        <p:spPr/>
+      </p:sp>
+      <p:sp>
+        <p:nvSpPr>
+          <p:cNvPr id="3" name="Notes Placeholder 2"/>
+          <p:cNvSpPr>
+            <a:spLocks noGrp="1"/>
+          </p:cNvSpPr>
+          <p:nvPr>
+            <p:ph type="body" idx="1"/>
+          </p:nvPr>
+        </p:nvSpPr>
+        <p:spPr/>
+        <p:txBody>
+          <a:bodyPr/>
+          <a:lstStyle/>
+          <a:p>
+            <a:endParaRPr lang="en-US" dirty="0"/>
+          </a:p>
+        </p:txBody>
+      </p:sp>
+      <p:sp>
+        <p:nvSpPr>
+          <p:cNvPr id="4" name="Slide Number Placeholder 3"/>
+          <p:cNvSpPr>
+            <a:spLocks noGrp="1"/>
+          </p:cNvSpPr>
+          <p:nvPr>
+            <p:ph type="sldNum" sz="quarter" idx="5"/>
+          </p:nvPr>
+        </p:nvSpPr>
+        <p:spPr/>
+        <p:txBody>
+          <a:bodyPr/>
+          <a:lstStyle/>
+          <a:p>
+            <a:fld id="{DB3C632B-A74E-438F-AFCC-A71752C22436}" type="slidenum">
+              <a:rPr lang="en-US" smtClean="0"/>
+              <a:t>3</a:t>
+            </a:fld>
+            <a:endParaRPr lang="en-US"/>
+          </a:p>
+        </p:txBody>
+      </p:sp>
+    </p:spTree>
+    <p:extLst>
+      <p:ext uri="{BB962C8B-B14F-4D97-AF65-F5344CB8AC3E}">
+        <p14:creationId xmlns:p14="http://schemas.microsoft.com/office/powerpoint/2010/main" val="3273957920"/>
+      </p:ext>
+    </p:extLst>
+  </p:cSld>
+  <p:clrMapOvr>
+    <a:masterClrMapping/>
+  </p:clrMapOvr>
+</p:notes>
+</file>
+
+<file path=ppt/notesSlides/notesSlide2.xml><?xml version="1.0" encoding="utf-8"?>
+<p:notes xmlns:a="http://schemas.openxmlformats.org/drawingml/2006/main" xmlns:r="http://schemas.openxmlformats.org/officeDocument/2006/relationships" xmlns:p="http://schemas.openxmlformats.org/presentationml/2006/main">
+  <p:cSld>
+    <p:spTree>
+      <p:nvGrpSpPr>
+        <p:cNvPr id="1" name="">
+          <a:extLst>
+            <a:ext uri="{FF2B5EF4-FFF2-40B4-BE49-F238E27FC236}">
+              <a16:creationId xmlns:a16="http://schemas.microsoft.com/office/drawing/2014/main" id="{2FE0D7A7-04FA-EC10-A9D0-ED1271861900}"/>
+            </a:ext>
+          </a:extLst>
+        </p:cNvPr>
+        <p:cNvGrpSpPr/>
+        <p:nvPr/>
+      </p:nvGrpSpPr>
+      <p:grpSpPr>
+        <a:xfrm>
+          <a:off x="0" y="0"/>
+          <a:ext cx="0" cy="0"/>
+          <a:chOff x="0" y="0"/>
+          <a:chExt cx="0" cy="0"/>
+        </a:xfrm>
+      </p:grpSpPr>
+      <p:sp>
+        <p:nvSpPr>
+          <p:cNvPr id="2" name="Slide Image Placeholder 1">
+            <a:extLst>
+              <a:ext uri="{FF2B5EF4-FFF2-40B4-BE49-F238E27FC236}">
+                <a16:creationId xmlns:a16="http://schemas.microsoft.com/office/drawing/2014/main" id="{8BEF17BA-1D52-D953-F868-6ACD4F55257A}"/>
+              </a:ext>
+            </a:extLst>
+          </p:cNvPr>
+          <p:cNvSpPr>
+            <a:spLocks noGrp="1" noRot="1" noChangeAspect="1"/>
+          </p:cNvSpPr>
+          <p:nvPr>
+            <p:ph type="sldImg"/>
+          </p:nvPr>
+        </p:nvSpPr>
+        <p:spPr/>
+      </p:sp>
+      <p:sp>
+        <p:nvSpPr>
+          <p:cNvPr id="3" name="Notes Placeholder 2">
+            <a:extLst>
+              <a:ext uri="{FF2B5EF4-FFF2-40B4-BE49-F238E27FC236}">
+                <a16:creationId xmlns:a16="http://schemas.microsoft.com/office/drawing/2014/main" id="{A4F90995-EA60-EDE3-5B43-54A80DD78189}"/>
+              </a:ext>
+            </a:extLst>
+          </p:cNvPr>
+          <p:cNvSpPr>
+            <a:spLocks noGrp="1"/>
+          </p:cNvSpPr>
+          <p:nvPr>
+            <p:ph type="body" idx="1"/>
+          </p:nvPr>
+        </p:nvSpPr>
+        <p:spPr/>
+        <p:txBody>
+          <a:bodyPr/>
+          <a:lstStyle/>
+          <a:p>
+            <a:endParaRPr lang="en-US" dirty="0"/>
+          </a:p>
+        </p:txBody>
+      </p:sp>
+      <p:sp>
+        <p:nvSpPr>
+          <p:cNvPr id="4" name="Slide Number Placeholder 3">
+            <a:extLst>
+              <a:ext uri="{FF2B5EF4-FFF2-40B4-BE49-F238E27FC236}">
+                <a16:creationId xmlns:a16="http://schemas.microsoft.com/office/drawing/2014/main" id="{65719B18-4C30-C130-7763-9AA7203D8EB0}"/>
+              </a:ext>
+            </a:extLst>
+          </p:cNvPr>
+          <p:cNvSpPr>
+            <a:spLocks noGrp="1"/>
+          </p:cNvSpPr>
+          <p:nvPr>
+            <p:ph type="sldNum" sz="quarter" idx="5"/>
+          </p:nvPr>
+        </p:nvSpPr>
+        <p:spPr/>
+        <p:txBody>
+          <a:bodyPr/>
+          <a:lstStyle/>
+          <a:p>
+            <a:fld id="{DB3C632B-A74E-438F-AFCC-A71752C22436}" type="slidenum">
+              <a:rPr lang="en-US" smtClean="0"/>
+              <a:t>4</a:t>
+            </a:fld>
+            <a:endParaRPr lang="en-US"/>
+          </a:p>
+        </p:txBody>
+      </p:sp>
+    </p:spTree>
+    <p:extLst>
+      <p:ext uri="{BB962C8B-B14F-4D97-AF65-F5344CB8AC3E}">
+        <p14:creationId xmlns:p14="http://schemas.microsoft.com/office/powerpoint/2010/main" val="2623843539"/>
+      </p:ext>
+    </p:extLst>
+  </p:cSld>
+  <p:clrMapOvr>
+    <a:masterClrMapping/>
+  </p:clrMapOvr>
+</p:notes>
 </file>
 
 <file path=ppt/slideLayouts/slideLayout1.xml><?xml version="1.0" encoding="utf-8"?>
@@ -4761,12 +5306,164 @@
           <a:chExt cx="0" cy="0"/>
         </a:xfrm>
       </p:grpSpPr>
+      <p:sp>
+        <p:nvSpPr>
+          <p:cNvPr id="15" name="TextBox 14">
+            <a:extLst>
+              <a:ext uri="{FF2B5EF4-FFF2-40B4-BE49-F238E27FC236}">
+                <a16:creationId xmlns:a16="http://schemas.microsoft.com/office/drawing/2014/main" id="{18FEE6B1-5666-2754-273F-2066B6FEB7D3}"/>
+              </a:ext>
+            </a:extLst>
+          </p:cNvPr>
+          <p:cNvSpPr txBox="1"/>
+          <p:nvPr/>
+        </p:nvSpPr>
+        <p:spPr>
+          <a:xfrm>
+            <a:off x="768096" y="521822"/>
+            <a:ext cx="1771767" cy="276999"/>
+          </a:xfrm>
+          <a:prstGeom prst="rect">
+            <a:avLst/>
+          </a:prstGeom>
+          <a:noFill/>
+        </p:spPr>
+        <p:txBody>
+          <a:bodyPr wrap="none" rtlCol="0">
+            <a:spAutoFit/>
+          </a:bodyPr>
+          <a:lstStyle/>
+          <a:p>
+            <a:r>
+              <a:rPr lang="en-US" sz="1200" dirty="0"/>
+              <a:t>Before phosphorylation </a:t>
+            </a:r>
+          </a:p>
+        </p:txBody>
+      </p:sp>
+      <p:cxnSp>
+        <p:nvCxnSpPr>
+          <p:cNvPr id="6" name="Straight Connector 5">
+            <a:extLst>
+              <a:ext uri="{FF2B5EF4-FFF2-40B4-BE49-F238E27FC236}">
+                <a16:creationId xmlns:a16="http://schemas.microsoft.com/office/drawing/2014/main" id="{76D7EDD4-B274-3C49-4BFD-7E9A38C3B978}"/>
+              </a:ext>
+            </a:extLst>
+          </p:cNvPr>
+          <p:cNvCxnSpPr/>
+          <p:nvPr/>
+        </p:nvCxnSpPr>
+        <p:spPr>
+          <a:xfrm>
+            <a:off x="530352" y="877824"/>
+            <a:ext cx="237744" cy="0"/>
+          </a:xfrm>
+          <a:prstGeom prst="line">
+            <a:avLst/>
+          </a:prstGeom>
+          <a:ln w="38100">
+            <a:solidFill>
+              <a:srgbClr val="890F8C"/>
+            </a:solidFill>
+          </a:ln>
+        </p:spPr>
+        <p:style>
+          <a:lnRef idx="2">
+            <a:schemeClr val="accent1"/>
+          </a:lnRef>
+          <a:fillRef idx="0">
+            <a:schemeClr val="accent1"/>
+          </a:fillRef>
+          <a:effectRef idx="1">
+            <a:schemeClr val="accent1"/>
+          </a:effectRef>
+          <a:fontRef idx="minor">
+            <a:schemeClr val="tx1"/>
+          </a:fontRef>
+        </p:style>
+      </p:cxnSp>
+      <p:cxnSp>
+        <p:nvCxnSpPr>
+          <p:cNvPr id="7" name="Straight Connector 6">
+            <a:extLst>
+              <a:ext uri="{FF2B5EF4-FFF2-40B4-BE49-F238E27FC236}">
+                <a16:creationId xmlns:a16="http://schemas.microsoft.com/office/drawing/2014/main" id="{19DEAEB4-5FB6-8D63-2A1D-A3CF2B131E24}"/>
+              </a:ext>
+            </a:extLst>
+          </p:cNvPr>
+          <p:cNvCxnSpPr/>
+          <p:nvPr/>
+        </p:nvCxnSpPr>
+        <p:spPr>
+          <a:xfrm>
+            <a:off x="530352" y="657138"/>
+            <a:ext cx="237744" cy="0"/>
+          </a:xfrm>
+          <a:prstGeom prst="line">
+            <a:avLst/>
+          </a:prstGeom>
+          <a:ln w="38100">
+            <a:solidFill>
+              <a:srgbClr val="FFC000"/>
+            </a:solidFill>
+          </a:ln>
+        </p:spPr>
+        <p:style>
+          <a:lnRef idx="2">
+            <a:schemeClr val="accent1"/>
+          </a:lnRef>
+          <a:fillRef idx="0">
+            <a:schemeClr val="accent1"/>
+          </a:fillRef>
+          <a:effectRef idx="1">
+            <a:schemeClr val="accent1"/>
+          </a:effectRef>
+          <a:fontRef idx="minor">
+            <a:schemeClr val="tx1"/>
+          </a:fontRef>
+        </p:style>
+      </p:cxnSp>
+      <p:sp>
+        <p:nvSpPr>
+          <p:cNvPr id="16" name="TextBox 15">
+            <a:extLst>
+              <a:ext uri="{FF2B5EF4-FFF2-40B4-BE49-F238E27FC236}">
+                <a16:creationId xmlns:a16="http://schemas.microsoft.com/office/drawing/2014/main" id="{D797C053-0F83-2791-9AE0-E8AF7D624A38}"/>
+              </a:ext>
+            </a:extLst>
+          </p:cNvPr>
+          <p:cNvSpPr txBox="1"/>
+          <p:nvPr/>
+        </p:nvSpPr>
+        <p:spPr>
+          <a:xfrm>
+            <a:off x="768096" y="739324"/>
+            <a:ext cx="1657313" cy="276999"/>
+          </a:xfrm>
+          <a:prstGeom prst="rect">
+            <a:avLst/>
+          </a:prstGeom>
+          <a:noFill/>
+        </p:spPr>
+        <p:txBody>
+          <a:bodyPr wrap="none" rtlCol="0">
+            <a:spAutoFit/>
+          </a:bodyPr>
+          <a:lstStyle/>
+          <a:p>
+            <a:r>
+              <a:rPr lang="en-US" sz="1200" dirty="0"/>
+              <a:t>After phosphorylation </a:t>
+            </a:r>
+          </a:p>
+        </p:txBody>
+      </p:sp>
       <p:pic>
         <p:nvPicPr>
-          <p:cNvPr id="5" name="Picture 4" descr="A graph of a number of people&#10;&#10;Description automatically generated">
-            <a:extLst>
-              <a:ext uri="{FF2B5EF4-FFF2-40B4-BE49-F238E27FC236}">
-                <a16:creationId xmlns:a16="http://schemas.microsoft.com/office/drawing/2014/main" id="{FD1003A1-9C45-D438-9222-204279E6EAB0}"/>
+          <p:cNvPr id="19" name="Picture 18" descr="A graph of a number of objects&#10;&#10;Description automatically generated with medium confidence">
+            <a:extLst>
+              <a:ext uri="{FF2B5EF4-FFF2-40B4-BE49-F238E27FC236}">
+                <a16:creationId xmlns:a16="http://schemas.microsoft.com/office/drawing/2014/main" id="{9A4C779D-7E3D-A2D0-2E5F-591DAA6031AA}"/>
               </a:ext>
             </a:extLst>
           </p:cNvPr>
@@ -4783,14 +5480,13 @@
               </a:ext>
             </a:extLst>
           </a:blip>
-          <a:stretch>
-            <a:fillRect/>
-          </a:stretch>
+          <a:srcRect l="7407" t="5555" r="6320"/>
+          <a:stretch/>
         </p:blipFill>
         <p:spPr>
           <a:xfrm>
-            <a:off x="0" y="862589"/>
-            <a:ext cx="5676900" cy="4554496"/>
+            <a:off x="81852" y="1217502"/>
+            <a:ext cx="6014148" cy="5282098"/>
           </a:xfrm>
           <a:prstGeom prst="rect">
             <a:avLst/>
@@ -4799,10 +5495,10 @@
       </p:pic>
       <p:pic>
         <p:nvPicPr>
-          <p:cNvPr id="10" name="Picture 9" descr="A graph of a number of bacteria&#10;&#10;Description automatically generated with medium confidence">
-            <a:extLst>
-              <a:ext uri="{FF2B5EF4-FFF2-40B4-BE49-F238E27FC236}">
-                <a16:creationId xmlns:a16="http://schemas.microsoft.com/office/drawing/2014/main" id="{80E48F8B-D87E-3DA8-8B8F-84F4D29141A8}"/>
+          <p:cNvPr id="23" name="Picture 22" descr="A graph of a number of molecules&#10;&#10;Description automatically generated with medium confidence">
+            <a:extLst>
+              <a:ext uri="{FF2B5EF4-FFF2-40B4-BE49-F238E27FC236}">
+                <a16:creationId xmlns:a16="http://schemas.microsoft.com/office/drawing/2014/main" id="{F39F1E2C-F847-FC75-6624-C04749E85C32}"/>
               </a:ext>
             </a:extLst>
           </p:cNvPr>
@@ -4819,13 +5515,13 @@
               </a:ext>
             </a:extLst>
           </a:blip>
-          <a:srcRect l="2344" t="10961" r="4531"/>
+          <a:srcRect l="9648" t="11827" r="3605" b="4722"/>
           <a:stretch/>
         </p:blipFill>
         <p:spPr>
           <a:xfrm>
-            <a:off x="6096000" y="1537272"/>
-            <a:ext cx="2819400" cy="3783455"/>
+            <a:off x="9347898" y="1684073"/>
+            <a:ext cx="2762250" cy="3729597"/>
           </a:xfrm>
           <a:prstGeom prst="rect">
             <a:avLst/>
@@ -4834,10 +5530,10 @@
       </p:pic>
       <p:pic>
         <p:nvPicPr>
-          <p:cNvPr id="12" name="Picture 11" descr="A graph of a number of molecules&#10;&#10;Description automatically generated with medium confidence">
-            <a:extLst>
-              <a:ext uri="{FF2B5EF4-FFF2-40B4-BE49-F238E27FC236}">
-                <a16:creationId xmlns:a16="http://schemas.microsoft.com/office/drawing/2014/main" id="{6181313B-C118-8D77-E43C-648312CA93DF}"/>
+          <p:cNvPr id="25" name="Picture 24" descr="A graph of a number of phosphorescent cells&#10;&#10;Description automatically generated">
+            <a:extLst>
+              <a:ext uri="{FF2B5EF4-FFF2-40B4-BE49-F238E27FC236}">
+                <a16:creationId xmlns:a16="http://schemas.microsoft.com/office/drawing/2014/main" id="{E9FFEF31-5BC3-68AD-421F-AB10999F6E40}"/>
               </a:ext>
             </a:extLst>
           </p:cNvPr>
@@ -4854,193 +5550,19 @@
               </a:ext>
             </a:extLst>
           </a:blip>
-          <a:srcRect l="8674" t="11111" r="4580" b="3334"/>
+          <a:srcRect t="11220" b="4444"/>
           <a:stretch/>
         </p:blipFill>
         <p:spPr>
           <a:xfrm>
-            <a:off x="9154022" y="1407669"/>
-            <a:ext cx="2733178" cy="3783455"/>
+            <a:off x="6062698" y="1685925"/>
+            <a:ext cx="3150867" cy="3729598"/>
           </a:xfrm>
           <a:prstGeom prst="rect">
             <a:avLst/>
           </a:prstGeom>
         </p:spPr>
       </p:pic>
-      <p:sp>
-        <p:nvSpPr>
-          <p:cNvPr id="13" name="Oval 12">
-            <a:extLst>
-              <a:ext uri="{FF2B5EF4-FFF2-40B4-BE49-F238E27FC236}">
-                <a16:creationId xmlns:a16="http://schemas.microsoft.com/office/drawing/2014/main" id="{4F053813-447A-6F04-8AD4-24579066B4EF}"/>
-              </a:ext>
-            </a:extLst>
-          </p:cNvPr>
-          <p:cNvSpPr/>
-          <p:nvPr/>
-        </p:nvSpPr>
-        <p:spPr>
-          <a:xfrm>
-            <a:off x="1005840" y="288036"/>
-            <a:ext cx="118872" cy="118872"/>
-          </a:xfrm>
-          <a:prstGeom prst="ellipse">
-            <a:avLst/>
-          </a:prstGeom>
-          <a:noFill/>
-          <a:ln>
-            <a:solidFill>
-              <a:schemeClr val="tx1"/>
-            </a:solidFill>
-          </a:ln>
-        </p:spPr>
-        <p:style>
-          <a:lnRef idx="2">
-            <a:schemeClr val="accent1">
-              <a:shade val="15000"/>
-            </a:schemeClr>
-          </a:lnRef>
-          <a:fillRef idx="1">
-            <a:schemeClr val="accent1"/>
-          </a:fillRef>
-          <a:effectRef idx="0">
-            <a:schemeClr val="accent1"/>
-          </a:effectRef>
-          <a:fontRef idx="minor">
-            <a:schemeClr val="lt1"/>
-          </a:fontRef>
-        </p:style>
-        <p:txBody>
-          <a:bodyPr rtlCol="0" anchor="ctr"/>
-          <a:lstStyle/>
-          <a:p>
-            <a:pPr algn="ctr"/>
-            <a:endParaRPr lang="en-US"/>
-          </a:p>
-        </p:txBody>
-      </p:sp>
-      <p:sp>
-        <p:nvSpPr>
-          <p:cNvPr id="14" name="Isosceles Triangle 13">
-            <a:extLst>
-              <a:ext uri="{FF2B5EF4-FFF2-40B4-BE49-F238E27FC236}">
-                <a16:creationId xmlns:a16="http://schemas.microsoft.com/office/drawing/2014/main" id="{066E9C95-1DE2-5E99-0F4A-978829A609B3}"/>
-              </a:ext>
-            </a:extLst>
-          </p:cNvPr>
-          <p:cNvSpPr/>
-          <p:nvPr/>
-        </p:nvSpPr>
-        <p:spPr>
-          <a:xfrm>
-            <a:off x="992124" y="539496"/>
-            <a:ext cx="150876" cy="118872"/>
-          </a:xfrm>
-          <a:prstGeom prst="triangle">
-            <a:avLst/>
-          </a:prstGeom>
-          <a:noFill/>
-          <a:ln>
-            <a:solidFill>
-              <a:schemeClr val="tx1"/>
-            </a:solidFill>
-          </a:ln>
-        </p:spPr>
-        <p:style>
-          <a:lnRef idx="2">
-            <a:schemeClr val="accent1">
-              <a:shade val="15000"/>
-            </a:schemeClr>
-          </a:lnRef>
-          <a:fillRef idx="1">
-            <a:schemeClr val="accent1"/>
-          </a:fillRef>
-          <a:effectRef idx="0">
-            <a:schemeClr val="accent1"/>
-          </a:effectRef>
-          <a:fontRef idx="minor">
-            <a:schemeClr val="lt1"/>
-          </a:fontRef>
-        </p:style>
-        <p:txBody>
-          <a:bodyPr rtlCol="0" anchor="ctr"/>
-          <a:lstStyle/>
-          <a:p>
-            <a:pPr algn="ctr"/>
-            <a:endParaRPr lang="en-US"/>
-          </a:p>
-        </p:txBody>
-      </p:sp>
-      <p:sp>
-        <p:nvSpPr>
-          <p:cNvPr id="15" name="TextBox 14">
-            <a:extLst>
-              <a:ext uri="{FF2B5EF4-FFF2-40B4-BE49-F238E27FC236}">
-                <a16:creationId xmlns:a16="http://schemas.microsoft.com/office/drawing/2014/main" id="{18FEE6B1-5666-2754-273F-2066B6FEB7D3}"/>
-              </a:ext>
-            </a:extLst>
-          </p:cNvPr>
-          <p:cNvSpPr txBox="1"/>
-          <p:nvPr/>
-        </p:nvSpPr>
-        <p:spPr>
-          <a:xfrm>
-            <a:off x="1196654" y="216667"/>
-            <a:ext cx="1771767" cy="276999"/>
-          </a:xfrm>
-          <a:prstGeom prst="rect">
-            <a:avLst/>
-          </a:prstGeom>
-          <a:noFill/>
-        </p:spPr>
-        <p:txBody>
-          <a:bodyPr wrap="none" rtlCol="0">
-            <a:spAutoFit/>
-          </a:bodyPr>
-          <a:lstStyle/>
-          <a:p>
-            <a:r>
-              <a:rPr lang="en-US" sz="1200" dirty="0"/>
-              <a:t>Before phosphorylation </a:t>
-            </a:r>
-          </a:p>
-        </p:txBody>
-      </p:sp>
-      <p:sp>
-        <p:nvSpPr>
-          <p:cNvPr id="16" name="TextBox 15">
-            <a:extLst>
-              <a:ext uri="{FF2B5EF4-FFF2-40B4-BE49-F238E27FC236}">
-                <a16:creationId xmlns:a16="http://schemas.microsoft.com/office/drawing/2014/main" id="{D797C053-0F83-2791-9AE0-E8AF7D624A38}"/>
-              </a:ext>
-            </a:extLst>
-          </p:cNvPr>
-          <p:cNvSpPr txBox="1"/>
-          <p:nvPr/>
-        </p:nvSpPr>
-        <p:spPr>
-          <a:xfrm>
-            <a:off x="1184131" y="493666"/>
-            <a:ext cx="1657313" cy="276999"/>
-          </a:xfrm>
-          <a:prstGeom prst="rect">
-            <a:avLst/>
-          </a:prstGeom>
-          <a:noFill/>
-        </p:spPr>
-        <p:txBody>
-          <a:bodyPr wrap="none" rtlCol="0">
-            <a:spAutoFit/>
-          </a:bodyPr>
-          <a:lstStyle/>
-          <a:p>
-            <a:r>
-              <a:rPr lang="en-US" sz="1200" dirty="0"/>
-              <a:t>After phosphorylation </a:t>
-            </a:r>
-          </a:p>
-        </p:txBody>
-      </p:sp>
     </p:spTree>
     <p:extLst>
       <p:ext uri="{BB962C8B-B14F-4D97-AF65-F5344CB8AC3E}">
@@ -5071,78 +5593,6 @@
           <a:chExt cx="0" cy="0"/>
         </a:xfrm>
       </p:grpSpPr>
-      <p:pic>
-        <p:nvPicPr>
-          <p:cNvPr id="7" name="Picture 6" descr="A graph of a graph with numbers and symbols&#10;&#10;Description automatically generated with medium confidence">
-            <a:extLst>
-              <a:ext uri="{FF2B5EF4-FFF2-40B4-BE49-F238E27FC236}">
-                <a16:creationId xmlns:a16="http://schemas.microsoft.com/office/drawing/2014/main" id="{9D325EE5-F4AE-B6B0-907D-7F8FC374F953}"/>
-              </a:ext>
-            </a:extLst>
-          </p:cNvPr>
-          <p:cNvPicPr>
-            <a:picLocks noChangeAspect="1"/>
-          </p:cNvPicPr>
-          <p:nvPr/>
-        </p:nvPicPr>
-        <p:blipFill>
-          <a:blip r:embed="rId2">
-            <a:extLst>
-              <a:ext uri="{28A0092B-C50C-407E-A947-70E740481C1C}">
-                <a14:useLocalDpi xmlns:a14="http://schemas.microsoft.com/office/drawing/2010/main" val="0"/>
-              </a:ext>
-            </a:extLst>
-          </a:blip>
-          <a:stretch>
-            <a:fillRect/>
-          </a:stretch>
-        </p:blipFill>
-        <p:spPr>
-          <a:xfrm>
-            <a:off x="0" y="1223194"/>
-            <a:ext cx="5753100" cy="4615630"/>
-          </a:xfrm>
-          <a:prstGeom prst="rect">
-            <a:avLst/>
-          </a:prstGeom>
-        </p:spPr>
-      </p:pic>
-      <p:pic>
-        <p:nvPicPr>
-          <p:cNvPr id="9" name="Picture 8" descr="A graph of a number of people&#10;&#10;Description automatically generated with medium confidence">
-            <a:extLst>
-              <a:ext uri="{FF2B5EF4-FFF2-40B4-BE49-F238E27FC236}">
-                <a16:creationId xmlns:a16="http://schemas.microsoft.com/office/drawing/2014/main" id="{F9156895-73E9-55DC-7170-A25426B9A005}"/>
-              </a:ext>
-            </a:extLst>
-          </p:cNvPr>
-          <p:cNvPicPr>
-            <a:picLocks noChangeAspect="1"/>
-          </p:cNvPicPr>
-          <p:nvPr/>
-        </p:nvPicPr>
-        <p:blipFill>
-          <a:blip r:embed="rId3">
-            <a:extLst>
-              <a:ext uri="{28A0092B-C50C-407E-A947-70E740481C1C}">
-                <a14:useLocalDpi xmlns:a14="http://schemas.microsoft.com/office/drawing/2010/main" val="0"/>
-              </a:ext>
-            </a:extLst>
-          </a:blip>
-          <a:stretch>
-            <a:fillRect/>
-          </a:stretch>
-        </p:blipFill>
-        <p:spPr>
-          <a:xfrm>
-            <a:off x="5655965" y="1019176"/>
-            <a:ext cx="6311928" cy="5063970"/>
-          </a:xfrm>
-          <a:prstGeom prst="rect">
-            <a:avLst/>
-          </a:prstGeom>
-        </p:spPr>
-      </p:pic>
       <p:grpSp>
         <p:nvGrpSpPr>
           <p:cNvPr id="10" name="Group 9">
@@ -6019,10 +6469,482 @@
           </p:txBody>
         </p:sp>
       </p:grpSp>
+      <p:pic>
+        <p:nvPicPr>
+          <p:cNvPr id="8" name="Picture 7" descr="A graph of a graph with numbers and lines&#10;&#10;Description automatically generated with medium confidence">
+            <a:extLst>
+              <a:ext uri="{FF2B5EF4-FFF2-40B4-BE49-F238E27FC236}">
+                <a16:creationId xmlns:a16="http://schemas.microsoft.com/office/drawing/2014/main" id="{0F61438E-159E-866B-BC32-B0CC462E2A5A}"/>
+              </a:ext>
+            </a:extLst>
+          </p:cNvPr>
+          <p:cNvPicPr>
+            <a:picLocks noChangeAspect="1"/>
+          </p:cNvPicPr>
+          <p:nvPr/>
+        </p:nvPicPr>
+        <p:blipFill>
+          <a:blip r:embed="rId3">
+            <a:extLst>
+              <a:ext uri="{28A0092B-C50C-407E-A947-70E740481C1C}">
+                <a14:useLocalDpi xmlns:a14="http://schemas.microsoft.com/office/drawing/2010/main" val="0"/>
+              </a:ext>
+            </a:extLst>
+          </a:blip>
+          <a:srcRect l="6947" t="5973" r="6142"/>
+          <a:stretch/>
+        </p:blipFill>
+        <p:spPr>
+          <a:xfrm>
+            <a:off x="119288" y="1226057"/>
+            <a:ext cx="6330376" cy="5494638"/>
+          </a:xfrm>
+          <a:prstGeom prst="rect">
+            <a:avLst/>
+          </a:prstGeom>
+        </p:spPr>
+      </p:pic>
+      <p:pic>
+        <p:nvPicPr>
+          <p:cNvPr id="35" name="Picture 34" descr="A graph of a number of objects&#10;&#10;Description automatically generated with medium confidence">
+            <a:extLst>
+              <a:ext uri="{FF2B5EF4-FFF2-40B4-BE49-F238E27FC236}">
+                <a16:creationId xmlns:a16="http://schemas.microsoft.com/office/drawing/2014/main" id="{ACB6F9AE-BFC0-BCE2-D8E1-02E84380607B}"/>
+              </a:ext>
+            </a:extLst>
+          </p:cNvPr>
+          <p:cNvPicPr>
+            <a:picLocks noChangeAspect="1"/>
+          </p:cNvPicPr>
+          <p:nvPr/>
+        </p:nvPicPr>
+        <p:blipFill>
+          <a:blip r:embed="rId4">
+            <a:extLst>
+              <a:ext uri="{28A0092B-C50C-407E-A947-70E740481C1C}">
+                <a14:useLocalDpi xmlns:a14="http://schemas.microsoft.com/office/drawing/2010/main" val="0"/>
+              </a:ext>
+            </a:extLst>
+          </a:blip>
+          <a:srcRect l="6948" t="5555" r="7040"/>
+          <a:stretch/>
+        </p:blipFill>
+        <p:spPr>
+          <a:xfrm>
+            <a:off x="5954799" y="1195937"/>
+            <a:ext cx="6237201" cy="5494638"/>
+          </a:xfrm>
+          <a:prstGeom prst="rect">
+            <a:avLst/>
+          </a:prstGeom>
+        </p:spPr>
+      </p:pic>
     </p:spTree>
     <p:extLst>
       <p:ext uri="{BB962C8B-B14F-4D97-AF65-F5344CB8AC3E}">
         <p14:creationId xmlns:p14="http://schemas.microsoft.com/office/powerpoint/2010/main" val="3270279541"/>
+      </p:ext>
+    </p:extLst>
+  </p:cSld>
+  <p:clrMapOvr>
+    <a:masterClrMapping/>
+  </p:clrMapOvr>
+</p:sld>
+</file>
+
+<file path=ppt/slides/slide4.xml><?xml version="1.0" encoding="utf-8"?>
+<p:sld xmlns:a="http://schemas.openxmlformats.org/drawingml/2006/main" xmlns:r="http://schemas.openxmlformats.org/officeDocument/2006/relationships" xmlns:p="http://schemas.openxmlformats.org/presentationml/2006/main">
+  <p:cSld>
+    <p:spTree>
+      <p:nvGrpSpPr>
+        <p:cNvPr id="1" name="">
+          <a:extLst>
+            <a:ext uri="{FF2B5EF4-FFF2-40B4-BE49-F238E27FC236}">
+              <a16:creationId xmlns:a16="http://schemas.microsoft.com/office/drawing/2014/main" id="{F9F64EC4-E5BC-7516-DD36-5B969C65EC32}"/>
+            </a:ext>
+          </a:extLst>
+        </p:cNvPr>
+        <p:cNvGrpSpPr/>
+        <p:nvPr/>
+      </p:nvGrpSpPr>
+      <p:grpSpPr>
+        <a:xfrm>
+          <a:off x="0" y="0"/>
+          <a:ext cx="0" cy="0"/>
+          <a:chOff x="0" y="0"/>
+          <a:chExt cx="0" cy="0"/>
+        </a:xfrm>
+      </p:grpSpPr>
+      <p:pic>
+        <p:nvPicPr>
+          <p:cNvPr id="8" name="Picture 7" descr="A graph of a graph with numbers and lines&#10;&#10;Description automatically generated with medium confidence">
+            <a:extLst>
+              <a:ext uri="{FF2B5EF4-FFF2-40B4-BE49-F238E27FC236}">
+                <a16:creationId xmlns:a16="http://schemas.microsoft.com/office/drawing/2014/main" id="{64ED743B-1815-8A5B-0844-404E66FAE4A4}"/>
+              </a:ext>
+            </a:extLst>
+          </p:cNvPr>
+          <p:cNvPicPr>
+            <a:picLocks noChangeAspect="1"/>
+          </p:cNvPicPr>
+          <p:nvPr/>
+        </p:nvPicPr>
+        <p:blipFill>
+          <a:blip r:embed="rId3">
+            <a:extLst>
+              <a:ext uri="{28A0092B-C50C-407E-A947-70E740481C1C}">
+                <a14:useLocalDpi xmlns:a14="http://schemas.microsoft.com/office/drawing/2010/main" val="0"/>
+              </a:ext>
+            </a:extLst>
+          </a:blip>
+          <a:srcRect l="6947" t="5973" r="6142"/>
+          <a:stretch/>
+        </p:blipFill>
+        <p:spPr>
+          <a:xfrm>
+            <a:off x="757463" y="66674"/>
+            <a:ext cx="3792364" cy="3291695"/>
+          </a:xfrm>
+          <a:prstGeom prst="rect">
+            <a:avLst/>
+          </a:prstGeom>
+        </p:spPr>
+      </p:pic>
+      <p:pic>
+        <p:nvPicPr>
+          <p:cNvPr id="35" name="Picture 34" descr="A graph of a number of objects&#10;&#10;Description automatically generated with medium confidence">
+            <a:extLst>
+              <a:ext uri="{FF2B5EF4-FFF2-40B4-BE49-F238E27FC236}">
+                <a16:creationId xmlns:a16="http://schemas.microsoft.com/office/drawing/2014/main" id="{FA6CB83F-A6AB-10CB-5388-A9AAEF08E3B4}"/>
+              </a:ext>
+            </a:extLst>
+          </p:cNvPr>
+          <p:cNvPicPr>
+            <a:picLocks noChangeAspect="1"/>
+          </p:cNvPicPr>
+          <p:nvPr/>
+        </p:nvPicPr>
+        <p:blipFill>
+          <a:blip r:embed="rId4">
+            <a:extLst>
+              <a:ext uri="{28A0092B-C50C-407E-A947-70E740481C1C}">
+                <a14:useLocalDpi xmlns:a14="http://schemas.microsoft.com/office/drawing/2010/main" val="0"/>
+              </a:ext>
+            </a:extLst>
+          </a:blip>
+          <a:srcRect l="6948" t="5555" r="7040"/>
+          <a:stretch/>
+        </p:blipFill>
+        <p:spPr>
+          <a:xfrm>
+            <a:off x="7035344" y="158684"/>
+            <a:ext cx="3527655" cy="3107673"/>
+          </a:xfrm>
+          <a:prstGeom prst="rect">
+            <a:avLst/>
+          </a:prstGeom>
+        </p:spPr>
+      </p:pic>
+      <p:pic>
+        <p:nvPicPr>
+          <p:cNvPr id="3" name="Picture 2" descr="A graph of a number of phosphorescent cells&#10;&#10;Description automatically generated">
+            <a:extLst>
+              <a:ext uri="{FF2B5EF4-FFF2-40B4-BE49-F238E27FC236}">
+                <a16:creationId xmlns:a16="http://schemas.microsoft.com/office/drawing/2014/main" id="{0B5C2AF8-C354-9F1B-BB63-4D29AA054142}"/>
+              </a:ext>
+            </a:extLst>
+          </p:cNvPr>
+          <p:cNvPicPr>
+            <a:picLocks noChangeAspect="1"/>
+          </p:cNvPicPr>
+          <p:nvPr/>
+        </p:nvPicPr>
+        <p:blipFill>
+          <a:blip r:embed="rId5">
+            <a:extLst>
+              <a:ext uri="{28A0092B-C50C-407E-A947-70E740481C1C}">
+                <a14:useLocalDpi xmlns:a14="http://schemas.microsoft.com/office/drawing/2010/main" val="0"/>
+              </a:ext>
+            </a:extLst>
+          </a:blip>
+          <a:srcRect l="5944" t="12500" r="4775" b="5000"/>
+          <a:stretch/>
+        </p:blipFill>
+        <p:spPr>
+          <a:xfrm>
+            <a:off x="104775" y="3483155"/>
+            <a:ext cx="2447925" cy="3174821"/>
+          </a:xfrm>
+          <a:prstGeom prst="rect">
+            <a:avLst/>
+          </a:prstGeom>
+        </p:spPr>
+      </p:pic>
+      <p:pic>
+        <p:nvPicPr>
+          <p:cNvPr id="5" name="Picture 4" descr="A graph of phosphorescent particles&#10;&#10;Description automatically generated">
+            <a:extLst>
+              <a:ext uri="{FF2B5EF4-FFF2-40B4-BE49-F238E27FC236}">
+                <a16:creationId xmlns:a16="http://schemas.microsoft.com/office/drawing/2014/main" id="{638E07FF-EC51-D774-7BD2-EF290543B959}"/>
+              </a:ext>
+            </a:extLst>
+          </p:cNvPr>
+          <p:cNvPicPr>
+            <a:picLocks noChangeAspect="1"/>
+          </p:cNvPicPr>
+          <p:nvPr/>
+        </p:nvPicPr>
+        <p:blipFill>
+          <a:blip r:embed="rId6">
+            <a:extLst>
+              <a:ext uri="{28A0092B-C50C-407E-A947-70E740481C1C}">
+                <a14:useLocalDpi xmlns:a14="http://schemas.microsoft.com/office/drawing/2010/main" val="0"/>
+              </a:ext>
+            </a:extLst>
+          </a:blip>
+          <a:srcRect l="9843" t="12211" r="4971" b="4455"/>
+          <a:stretch/>
+        </p:blipFill>
+        <p:spPr>
+          <a:xfrm>
+            <a:off x="2703540" y="3411279"/>
+            <a:ext cx="2447925" cy="3360995"/>
+          </a:xfrm>
+          <a:prstGeom prst="rect">
+            <a:avLst/>
+          </a:prstGeom>
+        </p:spPr>
+      </p:pic>
+      <p:pic>
+        <p:nvPicPr>
+          <p:cNvPr id="7" name="Picture 6" descr="A graph of a number of phosphorescent cells&#10;&#10;Description automatically generated">
+            <a:extLst>
+              <a:ext uri="{FF2B5EF4-FFF2-40B4-BE49-F238E27FC236}">
+                <a16:creationId xmlns:a16="http://schemas.microsoft.com/office/drawing/2014/main" id="{7DBD7DC4-179D-B4B4-F9A1-80980798FE95}"/>
+              </a:ext>
+            </a:extLst>
+          </p:cNvPr>
+          <p:cNvPicPr>
+            <a:picLocks noChangeAspect="1"/>
+          </p:cNvPicPr>
+          <p:nvPr/>
+        </p:nvPicPr>
+        <p:blipFill>
+          <a:blip r:embed="rId7">
+            <a:extLst>
+              <a:ext uri="{28A0092B-C50C-407E-A947-70E740481C1C}">
+                <a14:useLocalDpi xmlns:a14="http://schemas.microsoft.com/office/drawing/2010/main" val="0"/>
+              </a:ext>
+            </a:extLst>
+          </a:blip>
+          <a:srcRect l="4385" t="11389" b="4305"/>
+          <a:stretch/>
+        </p:blipFill>
+        <p:spPr>
+          <a:xfrm>
+            <a:off x="6310933" y="3463519"/>
+            <a:ext cx="2726949" cy="3374660"/>
+          </a:xfrm>
+          <a:prstGeom prst="rect">
+            <a:avLst/>
+          </a:prstGeom>
+        </p:spPr>
+      </p:pic>
+      <p:pic>
+        <p:nvPicPr>
+          <p:cNvPr id="34" name="Picture 33" descr="A graph of phosphorescent particles&#10;&#10;Description automatically generated">
+            <a:extLst>
+              <a:ext uri="{FF2B5EF4-FFF2-40B4-BE49-F238E27FC236}">
+                <a16:creationId xmlns:a16="http://schemas.microsoft.com/office/drawing/2014/main" id="{26C4F803-85C8-3642-5F4E-ECBB738D801D}"/>
+              </a:ext>
+            </a:extLst>
+          </p:cNvPr>
+          <p:cNvPicPr>
+            <a:picLocks noChangeAspect="1"/>
+          </p:cNvPicPr>
+          <p:nvPr/>
+        </p:nvPicPr>
+        <p:blipFill>
+          <a:blip r:embed="rId8">
+            <a:extLst>
+              <a:ext uri="{28A0092B-C50C-407E-A947-70E740481C1C}">
+                <a14:useLocalDpi xmlns:a14="http://schemas.microsoft.com/office/drawing/2010/main" val="0"/>
+              </a:ext>
+            </a:extLst>
+          </a:blip>
+          <a:srcRect l="8519" t="11389" b="3889"/>
+          <a:stretch/>
+        </p:blipFill>
+        <p:spPr>
+          <a:xfrm>
+            <a:off x="9333654" y="3483155"/>
+            <a:ext cx="2554720" cy="3320690"/>
+          </a:xfrm>
+          <a:prstGeom prst="rect">
+            <a:avLst/>
+          </a:prstGeom>
+        </p:spPr>
+      </p:pic>
+      <p:sp>
+        <p:nvSpPr>
+          <p:cNvPr id="36" name="Oval 35">
+            <a:extLst>
+              <a:ext uri="{FF2B5EF4-FFF2-40B4-BE49-F238E27FC236}">
+                <a16:creationId xmlns:a16="http://schemas.microsoft.com/office/drawing/2014/main" id="{AA44F92D-D79F-F895-9E59-606525B1406C}"/>
+              </a:ext>
+            </a:extLst>
+          </p:cNvPr>
+          <p:cNvSpPr/>
+          <p:nvPr/>
+        </p:nvSpPr>
+        <p:spPr>
+          <a:xfrm>
+            <a:off x="1916318" y="4798424"/>
+            <a:ext cx="495300" cy="352425"/>
+          </a:xfrm>
+          <a:prstGeom prst="ellipse">
+            <a:avLst/>
+          </a:prstGeom>
+          <a:noFill/>
+          <a:ln>
+            <a:solidFill>
+              <a:srgbClr val="FF0000"/>
+            </a:solidFill>
+          </a:ln>
+        </p:spPr>
+        <p:style>
+          <a:lnRef idx="2">
+            <a:schemeClr val="accent1">
+              <a:shade val="15000"/>
+            </a:schemeClr>
+          </a:lnRef>
+          <a:fillRef idx="1">
+            <a:schemeClr val="accent1"/>
+          </a:fillRef>
+          <a:effectRef idx="0">
+            <a:schemeClr val="accent1"/>
+          </a:effectRef>
+          <a:fontRef idx="minor">
+            <a:schemeClr val="lt1"/>
+          </a:fontRef>
+        </p:style>
+        <p:txBody>
+          <a:bodyPr rtlCol="0" anchor="ctr"/>
+          <a:lstStyle/>
+          <a:p>
+            <a:pPr algn="ctr"/>
+            <a:endParaRPr lang="en-US"/>
+          </a:p>
+        </p:txBody>
+      </p:sp>
+      <p:sp>
+        <p:nvSpPr>
+          <p:cNvPr id="37" name="Oval 36">
+            <a:extLst>
+              <a:ext uri="{FF2B5EF4-FFF2-40B4-BE49-F238E27FC236}">
+                <a16:creationId xmlns:a16="http://schemas.microsoft.com/office/drawing/2014/main" id="{08773685-A533-F738-0C0E-0B5CA6056737}"/>
+              </a:ext>
+            </a:extLst>
+          </p:cNvPr>
+          <p:cNvSpPr/>
+          <p:nvPr/>
+        </p:nvSpPr>
+        <p:spPr>
+          <a:xfrm>
+            <a:off x="8222630" y="4739351"/>
+            <a:ext cx="495300" cy="352425"/>
+          </a:xfrm>
+          <a:prstGeom prst="ellipse">
+            <a:avLst/>
+          </a:prstGeom>
+          <a:noFill/>
+          <a:ln>
+            <a:solidFill>
+              <a:srgbClr val="FF0000"/>
+            </a:solidFill>
+          </a:ln>
+        </p:spPr>
+        <p:style>
+          <a:lnRef idx="2">
+            <a:schemeClr val="accent1">
+              <a:shade val="15000"/>
+            </a:schemeClr>
+          </a:lnRef>
+          <a:fillRef idx="1">
+            <a:schemeClr val="accent1"/>
+          </a:fillRef>
+          <a:effectRef idx="0">
+            <a:schemeClr val="accent1"/>
+          </a:effectRef>
+          <a:fontRef idx="minor">
+            <a:schemeClr val="lt1"/>
+          </a:fontRef>
+        </p:style>
+        <p:txBody>
+          <a:bodyPr rtlCol="0" anchor="ctr"/>
+          <a:lstStyle/>
+          <a:p>
+            <a:pPr algn="ctr"/>
+            <a:endParaRPr lang="en-US"/>
+          </a:p>
+        </p:txBody>
+      </p:sp>
+      <p:sp>
+        <p:nvSpPr>
+          <p:cNvPr id="38" name="Oval 37">
+            <a:extLst>
+              <a:ext uri="{FF2B5EF4-FFF2-40B4-BE49-F238E27FC236}">
+                <a16:creationId xmlns:a16="http://schemas.microsoft.com/office/drawing/2014/main" id="{C3CBA097-3A16-71A5-DBA2-4A3FD3496E65}"/>
+              </a:ext>
+            </a:extLst>
+          </p:cNvPr>
+          <p:cNvSpPr/>
+          <p:nvPr/>
+        </p:nvSpPr>
+        <p:spPr>
+          <a:xfrm>
+            <a:off x="11112134" y="5636624"/>
+            <a:ext cx="495300" cy="352425"/>
+          </a:xfrm>
+          <a:prstGeom prst="ellipse">
+            <a:avLst/>
+          </a:prstGeom>
+          <a:noFill/>
+          <a:ln>
+            <a:solidFill>
+              <a:srgbClr val="FF0000"/>
+            </a:solidFill>
+          </a:ln>
+        </p:spPr>
+        <p:style>
+          <a:lnRef idx="2">
+            <a:schemeClr val="accent1">
+              <a:shade val="15000"/>
+            </a:schemeClr>
+          </a:lnRef>
+          <a:fillRef idx="1">
+            <a:schemeClr val="accent1"/>
+          </a:fillRef>
+          <a:effectRef idx="0">
+            <a:schemeClr val="accent1"/>
+          </a:effectRef>
+          <a:fontRef idx="minor">
+            <a:schemeClr val="lt1"/>
+          </a:fontRef>
+        </p:style>
+        <p:txBody>
+          <a:bodyPr rtlCol="0" anchor="ctr"/>
+          <a:lstStyle/>
+          <a:p>
+            <a:pPr algn="ctr"/>
+            <a:endParaRPr lang="en-US"/>
+          </a:p>
+        </p:txBody>
+      </p:sp>
+    </p:spTree>
+    <p:extLst>
+      <p:ext uri="{BB962C8B-B14F-4D97-AF65-F5344CB8AC3E}">
+        <p14:creationId xmlns:p14="http://schemas.microsoft.com/office/powerpoint/2010/main" val="46269355"/>
       </p:ext>
     </p:extLst>
   </p:cSld>
@@ -6345,4 +7267,319 @@
     </a:ext>
   </a:extLst>
 </a:theme>
+</file>
+
+<file path=ppt/theme/theme2.xml><?xml version="1.0" encoding="utf-8"?>
+<a:theme xmlns:a="http://schemas.openxmlformats.org/drawingml/2006/main" name="Office Theme">
+  <a:themeElements>
+    <a:clrScheme name="Office">
+      <a:dk1>
+        <a:sysClr val="windowText" lastClr="000000"/>
+      </a:dk1>
+      <a:lt1>
+        <a:sysClr val="window" lastClr="FFFFFF"/>
+      </a:lt1>
+      <a:dk2>
+        <a:srgbClr val="0E2841"/>
+      </a:dk2>
+      <a:lt2>
+        <a:srgbClr val="E8E8E8"/>
+      </a:lt2>
+      <a:accent1>
+        <a:srgbClr val="156082"/>
+      </a:accent1>
+      <a:accent2>
+        <a:srgbClr val="E97132"/>
+      </a:accent2>
+      <a:accent3>
+        <a:srgbClr val="196B24"/>
+      </a:accent3>
+      <a:accent4>
+        <a:srgbClr val="0F9ED5"/>
+      </a:accent4>
+      <a:accent5>
+        <a:srgbClr val="A02B93"/>
+      </a:accent5>
+      <a:accent6>
+        <a:srgbClr val="4EA72E"/>
+      </a:accent6>
+      <a:hlink>
+        <a:srgbClr val="467886"/>
+      </a:hlink>
+      <a:folHlink>
+        <a:srgbClr val="96607D"/>
+      </a:folHlink>
+    </a:clrScheme>
+    <a:fontScheme name="Office">
+      <a:majorFont>
+        <a:latin typeface="Aptos Display" panose="02110004020202020204"/>
+        <a:ea typeface=""/>
+        <a:cs typeface=""/>
+        <a:font script="Jpan" typeface="游ゴシック Light"/>
+        <a:font script="Hang" typeface="맑은 고딕"/>
+        <a:font script="Hans" typeface="等线 Light"/>
+        <a:font script="Hant" typeface="新細明體"/>
+        <a:font script="Arab" typeface="Times New Roman"/>
+        <a:font script="Hebr" typeface="Times New Roman"/>
+        <a:font script="Thai" typeface="Angsana New"/>
+        <a:font script="Ethi" typeface="Nyala"/>
+        <a:font script="Beng" typeface="Vrinda"/>
+        <a:font script="Gujr" typeface="Shruti"/>
+        <a:font script="Khmr" typeface="MoolBoran"/>
+        <a:font script="Knda" typeface="Tunga"/>
+        <a:font script="Guru" typeface="Raavi"/>
+        <a:font script="Cans" typeface="Euphemia"/>
+        <a:font script="Cher" typeface="Plantagenet Cherokee"/>
+        <a:font script="Yiii" typeface="Microsoft Yi Baiti"/>
+        <a:font script="Tibt" typeface="Microsoft Himalaya"/>
+        <a:font script="Thaa" typeface="MV Boli"/>
+        <a:font script="Deva" typeface="Mangal"/>
+        <a:font script="Telu" typeface="Gautami"/>
+        <a:font script="Taml" typeface="Latha"/>
+        <a:font script="Syrc" typeface="Estrangelo Edessa"/>
+        <a:font script="Orya" typeface="Kalinga"/>
+        <a:font script="Mlym" typeface="Kartika"/>
+        <a:font script="Laoo" typeface="DokChampa"/>
+        <a:font script="Sinh" typeface="Iskoola Pota"/>
+        <a:font script="Mong" typeface="Mongolian Baiti"/>
+        <a:font script="Viet" typeface="Times New Roman"/>
+        <a:font script="Uigh" typeface="Microsoft Uighur"/>
+        <a:font script="Geor" typeface="Sylfaen"/>
+        <a:font script="Armn" typeface="Arial"/>
+        <a:font script="Bugi" typeface="Leelawadee UI"/>
+        <a:font script="Bopo" typeface="Microsoft JhengHei"/>
+        <a:font script="Java" typeface="Javanese Text"/>
+        <a:font script="Lisu" typeface="Segoe UI"/>
+        <a:font script="Mymr" typeface="Myanmar Text"/>
+        <a:font script="Nkoo" typeface="Ebrima"/>
+        <a:font script="Olck" typeface="Nirmala UI"/>
+        <a:font script="Osma" typeface="Ebrima"/>
+        <a:font script="Phag" typeface="Phagspa"/>
+        <a:font script="Syrn" typeface="Estrangelo Edessa"/>
+        <a:font script="Syrj" typeface="Estrangelo Edessa"/>
+        <a:font script="Syre" typeface="Estrangelo Edessa"/>
+        <a:font script="Sora" typeface="Nirmala UI"/>
+        <a:font script="Tale" typeface="Microsoft Tai Le"/>
+        <a:font script="Talu" typeface="Microsoft New Tai Lue"/>
+        <a:font script="Tfng" typeface="Ebrima"/>
+      </a:majorFont>
+      <a:minorFont>
+        <a:latin typeface="Aptos" panose="02110004020202020204"/>
+        <a:ea typeface=""/>
+        <a:cs typeface=""/>
+        <a:font script="Jpan" typeface="游ゴシック"/>
+        <a:font script="Hang" typeface="맑은 고딕"/>
+        <a:font script="Hans" typeface="等线"/>
+        <a:font script="Hant" typeface="新細明體"/>
+        <a:font script="Arab" typeface="Arial"/>
+        <a:font script="Hebr" typeface="Arial"/>
+        <a:font script="Thai" typeface="Cordia New"/>
+        <a:font script="Ethi" typeface="Nyala"/>
+        <a:font script="Beng" typeface="Vrinda"/>
+        <a:font script="Gujr" typeface="Shruti"/>
+        <a:font script="Khmr" typeface="DaunPenh"/>
+        <a:font script="Knda" typeface="Tunga"/>
+        <a:font script="Guru" typeface="Raavi"/>
+        <a:font script="Cans" typeface="Euphemia"/>
+        <a:font script="Cher" typeface="Plantagenet Cherokee"/>
+        <a:font script="Yiii" typeface="Microsoft Yi Baiti"/>
+        <a:font script="Tibt" typeface="Microsoft Himalaya"/>
+        <a:font script="Thaa" typeface="MV Boli"/>
+        <a:font script="Deva" typeface="Mangal"/>
+        <a:font script="Telu" typeface="Gautami"/>
+        <a:font script="Taml" typeface="Latha"/>
+        <a:font script="Syrc" typeface="Estrangelo Edessa"/>
+        <a:font script="Orya" typeface="Kalinga"/>
+        <a:font script="Mlym" typeface="Kartika"/>
+        <a:font script="Laoo" typeface="DokChampa"/>
+        <a:font script="Sinh" typeface="Iskoola Pota"/>
+        <a:font script="Mong" typeface="Mongolian Baiti"/>
+        <a:font script="Viet" typeface="Arial"/>
+        <a:font script="Uigh" typeface="Microsoft Uighur"/>
+        <a:font script="Geor" typeface="Sylfaen"/>
+        <a:font script="Armn" typeface="Arial"/>
+        <a:font script="Bugi" typeface="Leelawadee UI"/>
+        <a:font script="Bopo" typeface="Microsoft JhengHei"/>
+        <a:font script="Java" typeface="Javanese Text"/>
+        <a:font script="Lisu" typeface="Segoe UI"/>
+        <a:font script="Mymr" typeface="Myanmar Text"/>
+        <a:font script="Nkoo" typeface="Ebrima"/>
+        <a:font script="Olck" typeface="Nirmala UI"/>
+        <a:font script="Osma" typeface="Ebrima"/>
+        <a:font script="Phag" typeface="Phagspa"/>
+        <a:font script="Syrn" typeface="Estrangelo Edessa"/>
+        <a:font script="Syrj" typeface="Estrangelo Edessa"/>
+        <a:font script="Syre" typeface="Estrangelo Edessa"/>
+        <a:font script="Sora" typeface="Nirmala UI"/>
+        <a:font script="Tale" typeface="Microsoft Tai Le"/>
+        <a:font script="Talu" typeface="Microsoft New Tai Lue"/>
+        <a:font script="Tfng" typeface="Ebrima"/>
+      </a:minorFont>
+    </a:fontScheme>
+    <a:fmtScheme name="Office">
+      <a:fillStyleLst>
+        <a:solidFill>
+          <a:schemeClr val="phClr"/>
+        </a:solidFill>
+        <a:gradFill rotWithShape="1">
+          <a:gsLst>
+            <a:gs pos="0">
+              <a:schemeClr val="phClr">
+                <a:lumMod val="110000"/>
+                <a:satMod val="105000"/>
+                <a:tint val="67000"/>
+              </a:schemeClr>
+            </a:gs>
+            <a:gs pos="50000">
+              <a:schemeClr val="phClr">
+                <a:lumMod val="105000"/>
+                <a:satMod val="103000"/>
+                <a:tint val="73000"/>
+              </a:schemeClr>
+            </a:gs>
+            <a:gs pos="100000">
+              <a:schemeClr val="phClr">
+                <a:lumMod val="105000"/>
+                <a:satMod val="109000"/>
+                <a:tint val="81000"/>
+              </a:schemeClr>
+            </a:gs>
+          </a:gsLst>
+          <a:lin ang="5400000" scaled="0"/>
+        </a:gradFill>
+        <a:gradFill rotWithShape="1">
+          <a:gsLst>
+            <a:gs pos="0">
+              <a:schemeClr val="phClr">
+                <a:satMod val="103000"/>
+                <a:lumMod val="102000"/>
+                <a:tint val="94000"/>
+              </a:schemeClr>
+            </a:gs>
+            <a:gs pos="50000">
+              <a:schemeClr val="phClr">
+                <a:satMod val="110000"/>
+                <a:lumMod val="100000"/>
+                <a:shade val="100000"/>
+              </a:schemeClr>
+            </a:gs>
+            <a:gs pos="100000">
+              <a:schemeClr val="phClr">
+                <a:lumMod val="99000"/>
+                <a:satMod val="120000"/>
+                <a:shade val="78000"/>
+              </a:schemeClr>
+            </a:gs>
+          </a:gsLst>
+          <a:lin ang="5400000" scaled="0"/>
+        </a:gradFill>
+      </a:fillStyleLst>
+      <a:lnStyleLst>
+        <a:ln w="12700" cap="flat" cmpd="sng" algn="ctr">
+          <a:solidFill>
+            <a:schemeClr val="phClr"/>
+          </a:solidFill>
+          <a:prstDash val="solid"/>
+          <a:miter lim="800000"/>
+        </a:ln>
+        <a:ln w="19050" cap="flat" cmpd="sng" algn="ctr">
+          <a:solidFill>
+            <a:schemeClr val="phClr"/>
+          </a:solidFill>
+          <a:prstDash val="solid"/>
+          <a:miter lim="800000"/>
+        </a:ln>
+        <a:ln w="25400" cap="flat" cmpd="sng" algn="ctr">
+          <a:solidFill>
+            <a:schemeClr val="phClr"/>
+          </a:solidFill>
+          <a:prstDash val="solid"/>
+          <a:miter lim="800000"/>
+        </a:ln>
+      </a:lnStyleLst>
+      <a:effectStyleLst>
+        <a:effectStyle>
+          <a:effectLst/>
+        </a:effectStyle>
+        <a:effectStyle>
+          <a:effectLst/>
+        </a:effectStyle>
+        <a:effectStyle>
+          <a:effectLst>
+            <a:outerShdw blurRad="57150" dist="19050" dir="5400000" algn="ctr" rotWithShape="0">
+              <a:srgbClr val="000000">
+                <a:alpha val="63000"/>
+              </a:srgbClr>
+            </a:outerShdw>
+          </a:effectLst>
+        </a:effectStyle>
+      </a:effectStyleLst>
+      <a:bgFillStyleLst>
+        <a:solidFill>
+          <a:schemeClr val="phClr"/>
+        </a:solidFill>
+        <a:solidFill>
+          <a:schemeClr val="phClr">
+            <a:tint val="95000"/>
+            <a:satMod val="170000"/>
+          </a:schemeClr>
+        </a:solidFill>
+        <a:gradFill rotWithShape="1">
+          <a:gsLst>
+            <a:gs pos="0">
+              <a:schemeClr val="phClr">
+                <a:tint val="93000"/>
+                <a:satMod val="150000"/>
+                <a:shade val="98000"/>
+                <a:lumMod val="102000"/>
+              </a:schemeClr>
+            </a:gs>
+            <a:gs pos="50000">
+              <a:schemeClr val="phClr">
+                <a:tint val="98000"/>
+                <a:satMod val="130000"/>
+                <a:shade val="90000"/>
+                <a:lumMod val="103000"/>
+              </a:schemeClr>
+            </a:gs>
+            <a:gs pos="100000">
+              <a:schemeClr val="phClr">
+                <a:shade val="63000"/>
+                <a:satMod val="120000"/>
+              </a:schemeClr>
+            </a:gs>
+          </a:gsLst>
+          <a:lin ang="5400000" scaled="0"/>
+        </a:gradFill>
+      </a:bgFillStyleLst>
+    </a:fmtScheme>
+  </a:themeElements>
+  <a:objectDefaults>
+    <a:lnDef>
+      <a:spPr/>
+      <a:bodyPr/>
+      <a:lstStyle/>
+      <a:style>
+        <a:lnRef idx="2">
+          <a:schemeClr val="accent1"/>
+        </a:lnRef>
+        <a:fillRef idx="0">
+          <a:schemeClr val="accent1"/>
+        </a:fillRef>
+        <a:effectRef idx="1">
+          <a:schemeClr val="accent1"/>
+        </a:effectRef>
+        <a:fontRef idx="minor">
+          <a:schemeClr val="tx1"/>
+        </a:fontRef>
+      </a:style>
+    </a:lnDef>
+  </a:objectDefaults>
+  <a:extraClrSchemeLst/>
+  <a:extLst>
+    <a:ext uri="{05A4C25C-085E-4340-85A3-A5531E510DB2}">
+      <thm15:themeFamily xmlns:thm15="http://schemas.microsoft.com/office/thememl/2012/main" name="Office Theme" id="{2E142A2C-CD16-42D6-873A-C26D2A0506FA}" vid="{1BDDFF52-6CD6-40A5-AB3C-68EB2F1E4D0A}"/>
+    </a:ext>
+  </a:extLst>
+</a:theme>
 </file>